--- a/station.pptx
+++ b/station.pptx
@@ -115,8 +115,7 @@
 <file path=ppt/revisionInfo.xml><?xml version="1.0" encoding="utf-8"?>
 <p1510:revInfo xmlns:a="http://schemas.openxmlformats.org/drawingml/2006/main" xmlns:r="http://schemas.openxmlformats.org/officeDocument/2006/relationships" xmlns:p1510="http://schemas.microsoft.com/office/powerpoint/2015/10/main">
   <p1510:revLst>
-    <p1510:client id="{BBEA5043-A865-4C88-A296-5996BE17C457}" v="19" dt="2020-03-24T22:18:16.398"/>
-    <p1510:client id="{D753A0D8-CD7E-47DB-A108-A3A59D6D9639}" v="52" dt="2020-03-24T22:03:00.588"/>
+    <p1510:client id="{BBEA5043-A865-4C88-A296-5996BE17C457}" v="22" dt="2020-03-26T13:50:08.496"/>
   </p1510:revLst>
 </p1510:revInfo>
 </file>
@@ -678,16 +677,32 @@
   <pc:docChgLst>
     <pc:chgData name="Jan.Franck@bwedu.de" userId="a77157e1-3257-4f88-8723-6bd35d01b01d" providerId="ADAL" clId="{BBEA5043-A865-4C88-A296-5996BE17C457}"/>
     <pc:docChg chg="undo custSel modSld">
-      <pc:chgData name="Jan.Franck@bwedu.de" userId="a77157e1-3257-4f88-8723-6bd35d01b01d" providerId="ADAL" clId="{BBEA5043-A865-4C88-A296-5996BE17C457}" dt="2020-03-24T22:20:14.153" v="107" actId="1076"/>
+      <pc:chgData name="Jan.Franck@bwedu.de" userId="a77157e1-3257-4f88-8723-6bd35d01b01d" providerId="ADAL" clId="{BBEA5043-A865-4C88-A296-5996BE17C457}" dt="2020-03-26T13:51:02.157" v="137" actId="14100"/>
       <pc:docMkLst>
         <pc:docMk/>
       </pc:docMkLst>
       <pc:sldChg chg="addSp delSp modSp mod">
-        <pc:chgData name="Jan.Franck@bwedu.de" userId="a77157e1-3257-4f88-8723-6bd35d01b01d" providerId="ADAL" clId="{BBEA5043-A865-4C88-A296-5996BE17C457}" dt="2020-03-24T22:20:14.153" v="107" actId="1076"/>
+        <pc:chgData name="Jan.Franck@bwedu.de" userId="a77157e1-3257-4f88-8723-6bd35d01b01d" providerId="ADAL" clId="{BBEA5043-A865-4C88-A296-5996BE17C457}" dt="2020-03-26T13:51:02.157" v="137" actId="14100"/>
         <pc:sldMkLst>
           <pc:docMk/>
           <pc:sldMk cId="606841443" sldId="256"/>
         </pc:sldMkLst>
+        <pc:spChg chg="add del mod">
+          <ac:chgData name="Jan.Franck@bwedu.de" userId="a77157e1-3257-4f88-8723-6bd35d01b01d" providerId="ADAL" clId="{BBEA5043-A865-4C88-A296-5996BE17C457}" dt="2020-03-26T13:50:08.076" v="111"/>
+          <ac:spMkLst>
+            <pc:docMk/>
+            <pc:sldMk cId="606841443" sldId="256"/>
+            <ac:spMk id="62" creationId="{FF3D60F3-1118-4F9C-B035-3C12A368086B}"/>
+          </ac:spMkLst>
+        </pc:spChg>
+        <pc:spChg chg="add">
+          <ac:chgData name="Jan.Franck@bwedu.de" userId="a77157e1-3257-4f88-8723-6bd35d01b01d" providerId="ADAL" clId="{BBEA5043-A865-4C88-A296-5996BE17C457}" dt="2020-03-26T13:50:08.496" v="112"/>
+          <ac:spMkLst>
+            <pc:docMk/>
+            <pc:sldMk cId="606841443" sldId="256"/>
+            <ac:spMk id="67" creationId="{3B27F033-681E-4F53-B65C-FB4592A08544}"/>
+          </ac:spMkLst>
+        </pc:spChg>
         <pc:spChg chg="add mod">
           <ac:chgData name="Jan.Franck@bwedu.de" userId="a77157e1-3257-4f88-8723-6bd35d01b01d" providerId="ADAL" clId="{BBEA5043-A865-4C88-A296-5996BE17C457}" dt="2020-03-24T22:20:14.153" v="107" actId="1076"/>
           <ac:spMkLst>
@@ -736,8 +751,8 @@
             <ac:spMk id="233" creationId="{D4C489F5-27F8-45CD-8716-1C736DE2607B}"/>
           </ac:spMkLst>
         </pc:spChg>
-        <pc:picChg chg="mod">
-          <ac:chgData name="Jan.Franck@bwedu.de" userId="a77157e1-3257-4f88-8723-6bd35d01b01d" providerId="ADAL" clId="{BBEA5043-A865-4C88-A296-5996BE17C457}" dt="2020-03-24T22:13:38.532" v="32" actId="1076"/>
+        <pc:picChg chg="mod ord">
+          <ac:chgData name="Jan.Franck@bwedu.de" userId="a77157e1-3257-4f88-8723-6bd35d01b01d" providerId="ADAL" clId="{BBEA5043-A865-4C88-A296-5996BE17C457}" dt="2020-03-26T13:50:21.670" v="115" actId="167"/>
           <ac:picMkLst>
             <pc:docMk/>
             <pc:sldMk cId="606841443" sldId="256"/>
@@ -752,6 +767,22 @@
             <ac:picMk id="13" creationId="{31484349-3960-4AAE-BD39-B7529B638458}"/>
           </ac:picMkLst>
         </pc:picChg>
+        <pc:picChg chg="add del mod">
+          <ac:chgData name="Jan.Franck@bwedu.de" userId="a77157e1-3257-4f88-8723-6bd35d01b01d" providerId="ADAL" clId="{BBEA5043-A865-4C88-A296-5996BE17C457}" dt="2020-03-26T13:50:08.076" v="111"/>
+          <ac:picMkLst>
+            <pc:docMk/>
+            <pc:sldMk cId="606841443" sldId="256"/>
+            <ac:picMk id="61" creationId="{9A2B6C29-DF47-41AA-90EC-2FE1D4B42F65}"/>
+          </ac:picMkLst>
+        </pc:picChg>
+        <pc:picChg chg="add ord">
+          <ac:chgData name="Jan.Franck@bwedu.de" userId="a77157e1-3257-4f88-8723-6bd35d01b01d" providerId="ADAL" clId="{BBEA5043-A865-4C88-A296-5996BE17C457}" dt="2020-03-26T13:50:17.366" v="114" actId="167"/>
+          <ac:picMkLst>
+            <pc:docMk/>
+            <pc:sldMk cId="606841443" sldId="256"/>
+            <ac:picMk id="64" creationId="{A94EED7E-76AC-4281-940C-C9EE9DC2E03E}"/>
+          </ac:picMkLst>
+        </pc:picChg>
         <pc:picChg chg="del">
           <ac:chgData name="Jan.Franck@bwedu.de" userId="a77157e1-3257-4f88-8723-6bd35d01b01d" providerId="ADAL" clId="{BBEA5043-A865-4C88-A296-5996BE17C457}" dt="2020-03-24T22:07:20.313" v="1" actId="478"/>
           <ac:picMkLst>
@@ -769,11 +800,19 @@
           </ac:picMkLst>
         </pc:picChg>
         <pc:cxnChg chg="mod">
-          <ac:chgData name="Jan.Franck@bwedu.de" userId="a77157e1-3257-4f88-8723-6bd35d01b01d" providerId="ADAL" clId="{BBEA5043-A865-4C88-A296-5996BE17C457}" dt="2020-03-24T22:19:53.302" v="105" actId="693"/>
-          <ac:cxnSpMkLst>
-            <pc:docMk/>
-            <pc:sldMk cId="606841443" sldId="256"/>
-            <ac:cxnSpMk id="28" creationId="{ED065F49-4DAB-4EAD-8786-8491B488FB23}"/>
+          <ac:chgData name="Jan.Franck@bwedu.de" userId="a77157e1-3257-4f88-8723-6bd35d01b01d" providerId="ADAL" clId="{BBEA5043-A865-4C88-A296-5996BE17C457}" dt="2020-03-26T13:50:31.199" v="118" actId="14100"/>
+          <ac:cxnSpMkLst>
+            <pc:docMk/>
+            <pc:sldMk cId="606841443" sldId="256"/>
+            <ac:cxnSpMk id="15" creationId="{410A8F4C-FF06-43C4-BB04-B11DA90C5D62}"/>
+          </ac:cxnSpMkLst>
+        </pc:cxnChg>
+        <pc:cxnChg chg="mod">
+          <ac:chgData name="Jan.Franck@bwedu.de" userId="a77157e1-3257-4f88-8723-6bd35d01b01d" providerId="ADAL" clId="{BBEA5043-A865-4C88-A296-5996BE17C457}" dt="2020-03-26T13:50:58.797" v="136" actId="1037"/>
+          <ac:cxnSpMkLst>
+            <pc:docMk/>
+            <pc:sldMk cId="606841443" sldId="256"/>
+            <ac:cxnSpMk id="16" creationId="{FD67F441-377D-4098-98D4-DD5AA509F02F}"/>
           </ac:cxnSpMkLst>
         </pc:cxnChg>
         <pc:cxnChg chg="mod">
@@ -781,7 +820,7 @@
           <ac:cxnSpMkLst>
             <pc:docMk/>
             <pc:sldMk cId="606841443" sldId="256"/>
-            <ac:cxnSpMk id="32" creationId="{A67E5DC2-061A-4C73-A03C-E3BE6DBBF848}"/>
+            <ac:cxnSpMk id="28" creationId="{ED065F49-4DAB-4EAD-8786-8491B488FB23}"/>
           </ac:cxnSpMkLst>
         </pc:cxnChg>
         <pc:cxnChg chg="mod">
@@ -789,7 +828,47 @@
           <ac:cxnSpMkLst>
             <pc:docMk/>
             <pc:sldMk cId="606841443" sldId="256"/>
+            <ac:cxnSpMk id="32" creationId="{A67E5DC2-061A-4C73-A03C-E3BE6DBBF848}"/>
+          </ac:cxnSpMkLst>
+        </pc:cxnChg>
+        <pc:cxnChg chg="mod">
+          <ac:chgData name="Jan.Franck@bwedu.de" userId="a77157e1-3257-4f88-8723-6bd35d01b01d" providerId="ADAL" clId="{BBEA5043-A865-4C88-A296-5996BE17C457}" dt="2020-03-24T22:19:53.302" v="105" actId="693"/>
+          <ac:cxnSpMkLst>
+            <pc:docMk/>
+            <pc:sldMk cId="606841443" sldId="256"/>
             <ac:cxnSpMk id="35" creationId="{848AF6EA-EBDD-4776-BE09-118D46D7069F}"/>
+          </ac:cxnSpMkLst>
+        </pc:cxnChg>
+        <pc:cxnChg chg="mod">
+          <ac:chgData name="Jan.Franck@bwedu.de" userId="a77157e1-3257-4f88-8723-6bd35d01b01d" providerId="ADAL" clId="{BBEA5043-A865-4C88-A296-5996BE17C457}" dt="2020-03-26T13:51:02.157" v="137" actId="14100"/>
+          <ac:cxnSpMkLst>
+            <pc:docMk/>
+            <pc:sldMk cId="606841443" sldId="256"/>
+            <ac:cxnSpMk id="39" creationId="{C45D4698-44A2-42FB-9A73-869250F83C90}"/>
+          </ac:cxnSpMkLst>
+        </pc:cxnChg>
+        <pc:cxnChg chg="mod">
+          <ac:chgData name="Jan.Franck@bwedu.de" userId="a77157e1-3257-4f88-8723-6bd35d01b01d" providerId="ADAL" clId="{BBEA5043-A865-4C88-A296-5996BE17C457}" dt="2020-03-26T13:50:45.391" v="129" actId="14100"/>
+          <ac:cxnSpMkLst>
+            <pc:docMk/>
+            <pc:sldMk cId="606841443" sldId="256"/>
+            <ac:cxnSpMk id="43" creationId="{A3CBDED1-4243-4970-99B7-9D990D84BA06}"/>
+          </ac:cxnSpMkLst>
+        </pc:cxnChg>
+        <pc:cxnChg chg="del mod">
+          <ac:chgData name="Jan.Franck@bwedu.de" userId="a77157e1-3257-4f88-8723-6bd35d01b01d" providerId="ADAL" clId="{BBEA5043-A865-4C88-A296-5996BE17C457}" dt="2020-03-26T13:50:41.547" v="128" actId="478"/>
+          <ac:cxnSpMkLst>
+            <pc:docMk/>
+            <pc:sldMk cId="606841443" sldId="256"/>
+            <ac:cxnSpMk id="46" creationId="{D68FE621-8D3C-485A-B478-FB15771442B3}"/>
+          </ac:cxnSpMkLst>
+        </pc:cxnChg>
+        <pc:cxnChg chg="mod">
+          <ac:chgData name="Jan.Franck@bwedu.de" userId="a77157e1-3257-4f88-8723-6bd35d01b01d" providerId="ADAL" clId="{BBEA5043-A865-4C88-A296-5996BE17C457}" dt="2020-03-26T13:50:57.626" v="135" actId="1037"/>
+          <ac:cxnSpMkLst>
+            <pc:docMk/>
+            <pc:sldMk cId="606841443" sldId="256"/>
+            <ac:cxnSpMk id="49" creationId="{C8FE88F0-5204-4330-BD49-48C6C6EE8D07}"/>
           </ac:cxnSpMkLst>
         </pc:cxnChg>
         <pc:cxnChg chg="mod">
@@ -1201,7 +1280,7 @@
           <a:p>
             <a:fld id="{7E3A153A-8CE5-4A22-BD09-DA1AD433DDFD}" type="datetimeFigureOut">
               <a:rPr lang="de-DE" smtClean="0"/>
-              <a:t>24.03.2020</a:t>
+              <a:t>26.03.2020</a:t>
             </a:fld>
             <a:endParaRPr lang="de-DE"/>
           </a:p>
@@ -1399,7 +1478,7 @@
           <a:p>
             <a:fld id="{7E3A153A-8CE5-4A22-BD09-DA1AD433DDFD}" type="datetimeFigureOut">
               <a:rPr lang="de-DE" smtClean="0"/>
-              <a:t>24.03.2020</a:t>
+              <a:t>26.03.2020</a:t>
             </a:fld>
             <a:endParaRPr lang="de-DE"/>
           </a:p>
@@ -1607,7 +1686,7 @@
           <a:p>
             <a:fld id="{7E3A153A-8CE5-4A22-BD09-DA1AD433DDFD}" type="datetimeFigureOut">
               <a:rPr lang="de-DE" smtClean="0"/>
-              <a:t>24.03.2020</a:t>
+              <a:t>26.03.2020</a:t>
             </a:fld>
             <a:endParaRPr lang="de-DE"/>
           </a:p>
@@ -1805,7 +1884,7 @@
           <a:p>
             <a:fld id="{7E3A153A-8CE5-4A22-BD09-DA1AD433DDFD}" type="datetimeFigureOut">
               <a:rPr lang="de-DE" smtClean="0"/>
-              <a:t>24.03.2020</a:t>
+              <a:t>26.03.2020</a:t>
             </a:fld>
             <a:endParaRPr lang="de-DE"/>
           </a:p>
@@ -2080,7 +2159,7 @@
           <a:p>
             <a:fld id="{7E3A153A-8CE5-4A22-BD09-DA1AD433DDFD}" type="datetimeFigureOut">
               <a:rPr lang="de-DE" smtClean="0"/>
-              <a:t>24.03.2020</a:t>
+              <a:t>26.03.2020</a:t>
             </a:fld>
             <a:endParaRPr lang="de-DE"/>
           </a:p>
@@ -2345,7 +2424,7 @@
           <a:p>
             <a:fld id="{7E3A153A-8CE5-4A22-BD09-DA1AD433DDFD}" type="datetimeFigureOut">
               <a:rPr lang="de-DE" smtClean="0"/>
-              <a:t>24.03.2020</a:t>
+              <a:t>26.03.2020</a:t>
             </a:fld>
             <a:endParaRPr lang="de-DE"/>
           </a:p>
@@ -2757,7 +2836,7 @@
           <a:p>
             <a:fld id="{7E3A153A-8CE5-4A22-BD09-DA1AD433DDFD}" type="datetimeFigureOut">
               <a:rPr lang="de-DE" smtClean="0"/>
-              <a:t>24.03.2020</a:t>
+              <a:t>26.03.2020</a:t>
             </a:fld>
             <a:endParaRPr lang="de-DE"/>
           </a:p>
@@ -2898,7 +2977,7 @@
           <a:p>
             <a:fld id="{7E3A153A-8CE5-4A22-BD09-DA1AD433DDFD}" type="datetimeFigureOut">
               <a:rPr lang="de-DE" smtClean="0"/>
-              <a:t>24.03.2020</a:t>
+              <a:t>26.03.2020</a:t>
             </a:fld>
             <a:endParaRPr lang="de-DE"/>
           </a:p>
@@ -3011,7 +3090,7 @@
           <a:p>
             <a:fld id="{7E3A153A-8CE5-4A22-BD09-DA1AD433DDFD}" type="datetimeFigureOut">
               <a:rPr lang="de-DE" smtClean="0"/>
-              <a:t>24.03.2020</a:t>
+              <a:t>26.03.2020</a:t>
             </a:fld>
             <a:endParaRPr lang="de-DE"/>
           </a:p>
@@ -3322,7 +3401,7 @@
           <a:p>
             <a:fld id="{7E3A153A-8CE5-4A22-BD09-DA1AD433DDFD}" type="datetimeFigureOut">
               <a:rPr lang="de-DE" smtClean="0"/>
-              <a:t>24.03.2020</a:t>
+              <a:t>26.03.2020</a:t>
             </a:fld>
             <a:endParaRPr lang="de-DE"/>
           </a:p>
@@ -3610,7 +3689,7 @@
           <a:p>
             <a:fld id="{7E3A153A-8CE5-4A22-BD09-DA1AD433DDFD}" type="datetimeFigureOut">
               <a:rPr lang="de-DE" smtClean="0"/>
-              <a:t>24.03.2020</a:t>
+              <a:t>26.03.2020</a:t>
             </a:fld>
             <a:endParaRPr lang="de-DE"/>
           </a:p>
@@ -3851,7 +3930,7 @@
           <a:p>
             <a:fld id="{7E3A153A-8CE5-4A22-BD09-DA1AD433DDFD}" type="datetimeFigureOut">
               <a:rPr lang="de-DE" smtClean="0"/>
-              <a:t>24.03.2020</a:t>
+              <a:t>26.03.2020</a:t>
             </a:fld>
             <a:endParaRPr lang="de-DE"/>
           </a:p>
@@ -4268,6 +4347,65 @@
           <a:chExt cx="0" cy="0"/>
         </a:xfrm>
       </p:grpSpPr>
+      <p:pic>
+        <p:nvPicPr>
+          <p:cNvPr id="7" name="Grafik 6">
+            <a:extLst>
+              <a:ext uri="{FF2B5EF4-FFF2-40B4-BE49-F238E27FC236}">
+                <a16:creationId xmlns:a16="http://schemas.microsoft.com/office/drawing/2014/main" id="{39C511C0-574B-4027-9A40-5A3CAF770420}"/>
+              </a:ext>
+            </a:extLst>
+          </p:cNvPr>
+          <p:cNvPicPr>
+            <a:picLocks noChangeAspect="1"/>
+          </p:cNvPicPr>
+          <p:nvPr/>
+        </p:nvPicPr>
+        <p:blipFill>
+          <a:blip r:embed="rId2"/>
+          <a:stretch>
+            <a:fillRect/>
+          </a:stretch>
+        </p:blipFill>
+        <p:spPr>
+          <a:xfrm>
+            <a:off x="1616066" y="195747"/>
+            <a:ext cx="1763823" cy="1679608"/>
+          </a:xfrm>
+          <a:prstGeom prst="rect">
+            <a:avLst/>
+          </a:prstGeom>
+        </p:spPr>
+      </p:pic>
+      <p:pic>
+        <p:nvPicPr>
+          <p:cNvPr id="64" name="Grafik 63">
+            <a:extLst>
+              <a:ext uri="{FF2B5EF4-FFF2-40B4-BE49-F238E27FC236}">
+                <a16:creationId xmlns:a16="http://schemas.microsoft.com/office/drawing/2014/main" id="{A94EED7E-76AC-4281-940C-C9EE9DC2E03E}"/>
+              </a:ext>
+            </a:extLst>
+          </p:cNvPr>
+          <p:cNvPicPr>
+            <a:picLocks noChangeAspect="1"/>
+          </p:cNvPicPr>
+          <p:nvPr/>
+        </p:nvPicPr>
+        <p:blipFill rotWithShape="1">
+          <a:blip r:embed="rId3"/>
+          <a:srcRect l="6406"/>
+          <a:stretch/>
+        </p:blipFill>
+        <p:spPr>
+          <a:xfrm>
+            <a:off x="3023196" y="329672"/>
+            <a:ext cx="557621" cy="712925"/>
+          </a:xfrm>
+          <a:prstGeom prst="rect">
+            <a:avLst/>
+          </a:prstGeom>
+        </p:spPr>
+      </p:pic>
       <p:cxnSp>
         <p:nvCxnSpPr>
           <p:cNvPr id="102" name="Gerader Verbinder 101">
@@ -4329,7 +4467,7 @@
           <p:nvPr/>
         </p:nvPicPr>
         <p:blipFill rotWithShape="1">
-          <a:blip r:embed="rId2">
+          <a:blip r:embed="rId4">
             <a:extLst>
               <a:ext uri="{28A0092B-C50C-407E-A947-70E740481C1C}">
                 <a14:useLocalDpi xmlns:a14="http://schemas.microsoft.com/office/drawing/2010/main" val="0"/>
@@ -4374,75 +4512,15 @@
           <p:nvPr/>
         </p:nvPicPr>
         <p:blipFill>
-          <a:blip r:embed="rId3"/>
-          <a:stretch>
-            <a:fillRect/>
-          </a:stretch>
-        </p:blipFill>
-        <p:spPr>
-          <a:xfrm rot="10800000">
-            <a:off x="3944612" y="195747"/>
-            <a:ext cx="4302775" cy="2482040"/>
-          </a:xfrm>
-          <a:prstGeom prst="rect">
-            <a:avLst/>
-          </a:prstGeom>
-        </p:spPr>
-      </p:pic>
-      <p:pic>
-        <p:nvPicPr>
-          <p:cNvPr id="7" name="Grafik 6">
-            <a:extLst>
-              <a:ext uri="{FF2B5EF4-FFF2-40B4-BE49-F238E27FC236}">
-                <a16:creationId xmlns:a16="http://schemas.microsoft.com/office/drawing/2014/main" id="{39C511C0-574B-4027-9A40-5A3CAF770420}"/>
-              </a:ext>
-            </a:extLst>
-          </p:cNvPr>
-          <p:cNvPicPr>
-            <a:picLocks noChangeAspect="1"/>
-          </p:cNvPicPr>
-          <p:nvPr/>
-        </p:nvPicPr>
-        <p:blipFill>
-          <a:blip r:embed="rId4"/>
-          <a:stretch>
-            <a:fillRect/>
-          </a:stretch>
-        </p:blipFill>
-        <p:spPr>
-          <a:xfrm>
-            <a:off x="1616066" y="195747"/>
-            <a:ext cx="1763823" cy="1679608"/>
-          </a:xfrm>
-          <a:prstGeom prst="rect">
-            <a:avLst/>
-          </a:prstGeom>
-        </p:spPr>
-      </p:pic>
-      <p:pic>
-        <p:nvPicPr>
-          <p:cNvPr id="8" name="Grafik 7">
-            <a:extLst>
-              <a:ext uri="{FF2B5EF4-FFF2-40B4-BE49-F238E27FC236}">
-                <a16:creationId xmlns:a16="http://schemas.microsoft.com/office/drawing/2014/main" id="{C4E4BB28-5EDC-424A-8E06-D1640AE3170D}"/>
-              </a:ext>
-            </a:extLst>
-          </p:cNvPr>
-          <p:cNvPicPr>
-            <a:picLocks noChangeAspect="1"/>
-          </p:cNvPicPr>
-          <p:nvPr/>
-        </p:nvPicPr>
-        <p:blipFill>
           <a:blip r:embed="rId5"/>
           <a:stretch>
             <a:fillRect/>
           </a:stretch>
         </p:blipFill>
         <p:spPr>
-          <a:xfrm>
-            <a:off x="82424" y="98991"/>
-            <a:ext cx="1203545" cy="2032032"/>
+          <a:xfrm rot="10800000">
+            <a:off x="3944612" y="195747"/>
+            <a:ext cx="4302775" cy="2482040"/>
           </a:xfrm>
           <a:prstGeom prst="rect">
             <a:avLst/>
@@ -4451,10 +4529,10 @@
       </p:pic>
       <p:pic>
         <p:nvPicPr>
-          <p:cNvPr id="11" name="Grafik 10">
-            <a:extLst>
-              <a:ext uri="{FF2B5EF4-FFF2-40B4-BE49-F238E27FC236}">
-                <a16:creationId xmlns:a16="http://schemas.microsoft.com/office/drawing/2014/main" id="{BA12ED71-99B6-4233-BC6B-EE1125E022AC}"/>
+          <p:cNvPr id="8" name="Grafik 7">
+            <a:extLst>
+              <a:ext uri="{FF2B5EF4-FFF2-40B4-BE49-F238E27FC236}">
+                <a16:creationId xmlns:a16="http://schemas.microsoft.com/office/drawing/2014/main" id="{C4E4BB28-5EDC-424A-8E06-D1640AE3170D}"/>
               </a:ext>
             </a:extLst>
           </p:cNvPr>
@@ -4471,8 +4549,8 @@
         </p:blipFill>
         <p:spPr>
           <a:xfrm>
-            <a:off x="2824158" y="4307026"/>
-            <a:ext cx="4333875" cy="2295525"/>
+            <a:off x="82424" y="98991"/>
+            <a:ext cx="1203545" cy="2032032"/>
           </a:xfrm>
           <a:prstGeom prst="rect">
             <a:avLst/>
@@ -4481,10 +4559,10 @@
       </p:pic>
       <p:pic>
         <p:nvPicPr>
-          <p:cNvPr id="12" name="Grafik 11">
-            <a:extLst>
-              <a:ext uri="{FF2B5EF4-FFF2-40B4-BE49-F238E27FC236}">
-                <a16:creationId xmlns:a16="http://schemas.microsoft.com/office/drawing/2014/main" id="{333AC1E8-FD92-48B3-96C9-C041DA565CBA}"/>
+          <p:cNvPr id="11" name="Grafik 10">
+            <a:extLst>
+              <a:ext uri="{FF2B5EF4-FFF2-40B4-BE49-F238E27FC236}">
+                <a16:creationId xmlns:a16="http://schemas.microsoft.com/office/drawing/2014/main" id="{BA12ED71-99B6-4233-BC6B-EE1125E022AC}"/>
               </a:ext>
             </a:extLst>
           </p:cNvPr>
@@ -4501,6 +4579,36 @@
         </p:blipFill>
         <p:spPr>
           <a:xfrm>
+            <a:off x="2824158" y="4307026"/>
+            <a:ext cx="4333875" cy="2295525"/>
+          </a:xfrm>
+          <a:prstGeom prst="rect">
+            <a:avLst/>
+          </a:prstGeom>
+        </p:spPr>
+      </p:pic>
+      <p:pic>
+        <p:nvPicPr>
+          <p:cNvPr id="12" name="Grafik 11">
+            <a:extLst>
+              <a:ext uri="{FF2B5EF4-FFF2-40B4-BE49-F238E27FC236}">
+                <a16:creationId xmlns:a16="http://schemas.microsoft.com/office/drawing/2014/main" id="{333AC1E8-FD92-48B3-96C9-C041DA565CBA}"/>
+              </a:ext>
+            </a:extLst>
+          </p:cNvPr>
+          <p:cNvPicPr>
+            <a:picLocks noChangeAspect="1"/>
+          </p:cNvPicPr>
+          <p:nvPr/>
+        </p:nvPicPr>
+        <p:blipFill>
+          <a:blip r:embed="rId8"/>
+          <a:stretch>
+            <a:fillRect/>
+          </a:stretch>
+        </p:blipFill>
+        <p:spPr>
+          <a:xfrm>
             <a:off x="199005" y="3947628"/>
             <a:ext cx="2486025" cy="2714625"/>
           </a:xfrm>
@@ -4518,13 +4626,15 @@
               </a:ext>
             </a:extLst>
           </p:cNvPr>
-          <p:cNvCxnSpPr/>
+          <p:cNvCxnSpPr>
+            <a:cxnSpLocks/>
+          </p:cNvCxnSpPr>
           <p:nvPr/>
         </p:nvCxnSpPr>
         <p:spPr>
-          <a:xfrm>
-            <a:off x="3312367" y="1558212"/>
-            <a:ext cx="0" cy="774441"/>
+          <a:xfrm flipV="1">
+            <a:off x="3291303" y="857958"/>
+            <a:ext cx="0" cy="641937"/>
           </a:xfrm>
           <a:prstGeom prst="line">
             <a:avLst/>
@@ -4566,8 +4676,8 @@
         </p:nvCxnSpPr>
         <p:spPr>
           <a:xfrm>
-            <a:off x="763398" y="2332653"/>
-            <a:ext cx="2548969" cy="0"/>
+            <a:off x="749109" y="2332653"/>
+            <a:ext cx="2679611" cy="0"/>
           </a:xfrm>
           <a:prstGeom prst="line">
             <a:avLst/>
@@ -4784,8 +4894,8 @@
         </p:nvCxnSpPr>
         <p:spPr>
           <a:xfrm flipH="1">
-            <a:off x="3573652" y="956454"/>
-            <a:ext cx="597463" cy="0"/>
+            <a:off x="3409668" y="956454"/>
+            <a:ext cx="761448" cy="0"/>
           </a:xfrm>
           <a:prstGeom prst="line">
             <a:avLst/>
@@ -4827,51 +4937,8 @@
         </p:nvCxnSpPr>
         <p:spPr>
           <a:xfrm flipV="1">
-            <a:off x="3573652" y="975826"/>
-            <a:ext cx="0" cy="747714"/>
-          </a:xfrm>
-          <a:prstGeom prst="line">
-            <a:avLst/>
-          </a:prstGeom>
-          <a:ln w="38100">
-            <a:solidFill>
-              <a:schemeClr val="tx1"/>
-            </a:solidFill>
-          </a:ln>
-        </p:spPr>
-        <p:style>
-          <a:lnRef idx="1">
-            <a:schemeClr val="accent1"/>
-          </a:lnRef>
-          <a:fillRef idx="0">
-            <a:schemeClr val="accent1"/>
-          </a:fillRef>
-          <a:effectRef idx="0">
-            <a:schemeClr val="accent1"/>
-          </a:effectRef>
-          <a:fontRef idx="minor">
-            <a:schemeClr val="tx1"/>
-          </a:fontRef>
-        </p:style>
-      </p:cxnSp>
-      <p:cxnSp>
-        <p:nvCxnSpPr>
-          <p:cNvPr id="46" name="Gerader Verbinder 45">
-            <a:extLst>
-              <a:ext uri="{FF2B5EF4-FFF2-40B4-BE49-F238E27FC236}">
-                <a16:creationId xmlns:a16="http://schemas.microsoft.com/office/drawing/2014/main" id="{D68FE621-8D3C-485A-B478-FB15771442B3}"/>
-              </a:ext>
-            </a:extLst>
-          </p:cNvPr>
-          <p:cNvCxnSpPr>
-            <a:cxnSpLocks/>
-          </p:cNvCxnSpPr>
-          <p:nvPr/>
-        </p:nvCxnSpPr>
-        <p:spPr>
-          <a:xfrm flipV="1">
-            <a:off x="3312367" y="1702965"/>
-            <a:ext cx="261285" cy="8608"/>
+            <a:off x="3409668" y="870565"/>
+            <a:ext cx="0" cy="1462088"/>
           </a:xfrm>
           <a:prstGeom prst="line">
             <a:avLst/>
@@ -6820,6 +6887,62 @@
           </a:fontRef>
         </p:style>
       </p:cxnSp>
+      <p:sp>
+        <p:nvSpPr>
+          <p:cNvPr id="67" name="Rechteck 66">
+            <a:extLst>
+              <a:ext uri="{FF2B5EF4-FFF2-40B4-BE49-F238E27FC236}">
+                <a16:creationId xmlns:a16="http://schemas.microsoft.com/office/drawing/2014/main" id="{3B27F033-681E-4F53-B65C-FB4592A08544}"/>
+              </a:ext>
+            </a:extLst>
+          </p:cNvPr>
+          <p:cNvSpPr/>
+          <p:nvPr/>
+        </p:nvSpPr>
+        <p:spPr>
+          <a:xfrm>
+            <a:off x="3557990" y="64488"/>
+            <a:ext cx="940687" cy="588060"/>
+          </a:xfrm>
+          <a:prstGeom prst="rect">
+            <a:avLst/>
+          </a:prstGeom>
+        </p:spPr>
+        <p:style>
+          <a:lnRef idx="2">
+            <a:schemeClr val="accent1">
+              <a:shade val="50000"/>
+            </a:schemeClr>
+          </a:lnRef>
+          <a:fillRef idx="1">
+            <a:schemeClr val="accent1"/>
+          </a:fillRef>
+          <a:effectRef idx="0">
+            <a:schemeClr val="accent1"/>
+          </a:effectRef>
+          <a:fontRef idx="minor">
+            <a:schemeClr val="lt1"/>
+          </a:fontRef>
+        </p:style>
+        <p:txBody>
+          <a:bodyPr rtlCol="0" anchor="ctr"/>
+          <a:lstStyle/>
+          <a:p>
+            <a:pPr algn="ctr"/>
+            <a:r>
+              <a:rPr lang="de-DE" dirty="0"/>
+              <a:t>An/Aus</a:t>
+            </a:r>
+          </a:p>
+          <a:p>
+            <a:pPr algn="ctr"/>
+            <a:r>
+              <a:rPr lang="de-DE" dirty="0"/>
+              <a:t>Schalter</a:t>
+            </a:r>
+          </a:p>
+        </p:txBody>
+      </p:sp>
     </p:spTree>
     <p:extLst>
       <p:ext uri="{BB962C8B-B14F-4D97-AF65-F5344CB8AC3E}">
@@ -7129,21 +7252,6 @@
 </file>
 
 <file path=customXml/item1.xml><?xml version="1.0" encoding="utf-8"?>
-<p:properties xmlns:p="http://schemas.microsoft.com/office/2006/metadata/properties" xmlns:xsi="http://www.w3.org/2001/XMLSchema-instance" xmlns:pc="http://schemas.microsoft.com/office/infopath/2007/PartnerControls">
-  <documentManagement/>
-</p:properties>
-</file>
-
-<file path=customXml/item2.xml><?xml version="1.0" encoding="utf-8"?>
-<?mso-contentType ?>
-<FormTemplates xmlns="http://schemas.microsoft.com/sharepoint/v3/contenttype/forms">
-  <Display>DocumentLibraryForm</Display>
-  <Edit>DocumentLibraryForm</Edit>
-  <New>DocumentLibraryForm</New>
-</FormTemplates>
-</file>
-
-<file path=customXml/item3.xml><?xml version="1.0" encoding="utf-8"?>
 <ct:contentTypeSchema xmlns:ct="http://schemas.microsoft.com/office/2006/metadata/contentType" xmlns:ma="http://schemas.microsoft.com/office/2006/metadata/properties/metaAttributes" ct:_="" ma:_="" ma:contentTypeName="Dokument" ma:contentTypeID="0x010100FAB6BB809277ED40BB92687593C17E6A" ma:contentTypeVersion="10" ma:contentTypeDescription="Ein neues Dokument erstellen." ma:contentTypeScope="" ma:versionID="36174479abcc05c8cfb49f94bdb4d888">
   <xsd:schema xmlns:xsd="http://www.w3.org/2001/XMLSchema" xmlns:xs="http://www.w3.org/2001/XMLSchema" xmlns:p="http://schemas.microsoft.com/office/2006/metadata/properties" xmlns:ns3="d28452fb-1c22-47f8-97a7-46eaa8f384a5" targetNamespace="http://schemas.microsoft.com/office/2006/metadata/properties" ma:root="true" ma:fieldsID="67585c267d9603546b47103d35fe03e8" ns3:_="">
     <xsd:import namespace="d28452fb-1c22-47f8-97a7-46eaa8f384a5"/>
@@ -7327,24 +7435,22 @@
 </ct:contentTypeSchema>
 </file>
 
-<file path=customXml/itemProps1.xml><?xml version="1.0" encoding="utf-8"?>
-<ds:datastoreItem xmlns:ds="http://schemas.openxmlformats.org/officeDocument/2006/customXml" ds:itemID="{36C5095F-9894-4EC3-BFB5-CCF901793F55}">
-  <ds:schemaRefs>
-    <ds:schemaRef ds:uri="http://schemas.microsoft.com/office/2006/metadata/properties"/>
-    <ds:schemaRef ds:uri="http://schemas.microsoft.com/office/infopath/2007/PartnerControls"/>
-  </ds:schemaRefs>
-</ds:datastoreItem>
+<file path=customXml/item2.xml><?xml version="1.0" encoding="utf-8"?>
+<?mso-contentType ?>
+<FormTemplates xmlns="http://schemas.microsoft.com/sharepoint/v3/contenttype/forms">
+  <Display>DocumentLibraryForm</Display>
+  <Edit>DocumentLibraryForm</Edit>
+  <New>DocumentLibraryForm</New>
+</FormTemplates>
 </file>
 
-<file path=customXml/itemProps2.xml><?xml version="1.0" encoding="utf-8"?>
-<ds:datastoreItem xmlns:ds="http://schemas.openxmlformats.org/officeDocument/2006/customXml" ds:itemID="{EF279169-FC78-4EA7-A474-51F84FB7831E}">
-  <ds:schemaRefs>
-    <ds:schemaRef ds:uri="http://schemas.microsoft.com/sharepoint/v3/contenttype/forms"/>
-  </ds:schemaRefs>
-</ds:datastoreItem>
+<file path=customXml/item3.xml><?xml version="1.0" encoding="utf-8"?>
+<p:properties xmlns:p="http://schemas.microsoft.com/office/2006/metadata/properties" xmlns:xsi="http://www.w3.org/2001/XMLSchema-instance" xmlns:pc="http://schemas.microsoft.com/office/infopath/2007/PartnerControls">
+  <documentManagement/>
+</p:properties>
 </file>
 
-<file path=customXml/itemProps3.xml><?xml version="1.0" encoding="utf-8"?>
+<file path=customXml/itemProps1.xml><?xml version="1.0" encoding="utf-8"?>
 <ds:datastoreItem xmlns:ds="http://schemas.openxmlformats.org/officeDocument/2006/customXml" ds:itemID="{3AAE9124-3BC9-4262-8AFE-9093D2C1298F}">
   <ds:schemaRefs>
     <ds:schemaRef ds:uri="http://schemas.microsoft.com/office/2006/metadata/contentType"/>
@@ -7360,4 +7466,21 @@
     <ds:schemaRef ds:uri="http://schemas.microsoft.com/internal/obd"/>
   </ds:schemaRefs>
 </ds:datastoreItem>
+</file>
+
+<file path=customXml/itemProps2.xml><?xml version="1.0" encoding="utf-8"?>
+<ds:datastoreItem xmlns:ds="http://schemas.openxmlformats.org/officeDocument/2006/customXml" ds:itemID="{EF279169-FC78-4EA7-A474-51F84FB7831E}">
+  <ds:schemaRefs>
+    <ds:schemaRef ds:uri="http://schemas.microsoft.com/sharepoint/v3/contenttype/forms"/>
+  </ds:schemaRefs>
+</ds:datastoreItem>
+</file>
+
+<file path=customXml/itemProps3.xml><?xml version="1.0" encoding="utf-8"?>
+<ds:datastoreItem xmlns:ds="http://schemas.openxmlformats.org/officeDocument/2006/customXml" ds:itemID="{36C5095F-9894-4EC3-BFB5-CCF901793F55}">
+  <ds:schemaRefs>
+    <ds:schemaRef ds:uri="http://schemas.microsoft.com/office/2006/metadata/properties"/>
+    <ds:schemaRef ds:uri="http://schemas.microsoft.com/office/infopath/2007/PartnerControls"/>
+  </ds:schemaRefs>
+</ds:datastoreItem>
 </file>